--- a/Week_3_Project_Presentation.pptx
+++ b/Week_3_Project_Presentation.pptx
@@ -5412,36 +5412,6 @@
           </a:prstGeom>
         </p:spPr>
       </p:pic>
-      <p:pic>
-        <p:nvPicPr>
-          <p:cNvPr id="7" name="Picture 6">
-            <a:extLst>
-              <a:ext uri="{FF2B5EF4-FFF2-40B4-BE49-F238E27FC236}">
-                <a16:creationId xmlns:a16="http://schemas.microsoft.com/office/drawing/2014/main" id="{B3633D6B-D547-0327-CFFD-498E93B70DDC}"/>
-              </a:ext>
-            </a:extLst>
-          </p:cNvPr>
-          <p:cNvPicPr>
-            <a:picLocks noChangeAspect="1"/>
-          </p:cNvPicPr>
-          <p:nvPr/>
-        </p:nvPicPr>
-        <p:blipFill>
-          <a:blip r:embed="rId3"/>
-          <a:stretch>
-            <a:fillRect/>
-          </a:stretch>
-        </p:blipFill>
-        <p:spPr>
-          <a:xfrm>
-            <a:off x="5974955" y="1892221"/>
-            <a:ext cx="3886400" cy="3073558"/>
-          </a:xfrm>
-          <a:prstGeom prst="rect">
-            <a:avLst/>
-          </a:prstGeom>
-        </p:spPr>
-      </p:pic>
       <p:sp>
         <p:nvSpPr>
           <p:cNvPr id="8" name="TextBox 7">
@@ -5512,6 +5482,36 @@
           </a:p>
         </p:txBody>
       </p:sp>
+      <p:pic>
+        <p:nvPicPr>
+          <p:cNvPr id="4" name="Picture 3">
+            <a:extLst>
+              <a:ext uri="{FF2B5EF4-FFF2-40B4-BE49-F238E27FC236}">
+                <a16:creationId xmlns:a16="http://schemas.microsoft.com/office/drawing/2014/main" id="{C79ACAF5-16A4-FD25-E666-028221F302A8}"/>
+              </a:ext>
+            </a:extLst>
+          </p:cNvPr>
+          <p:cNvPicPr>
+            <a:picLocks noChangeAspect="1"/>
+          </p:cNvPicPr>
+          <p:nvPr/>
+        </p:nvPicPr>
+        <p:blipFill>
+          <a:blip r:embed="rId3"/>
+          <a:stretch>
+            <a:fillRect/>
+          </a:stretch>
+        </p:blipFill>
+        <p:spPr>
+          <a:xfrm>
+            <a:off x="5885727" y="2230446"/>
+            <a:ext cx="3829247" cy="2971953"/>
+          </a:xfrm>
+          <a:prstGeom prst="rect">
+            <a:avLst/>
+          </a:prstGeom>
+        </p:spPr>
+      </p:pic>
     </p:spTree>
     <p:extLst>
       <p:ext uri="{BB962C8B-B14F-4D97-AF65-F5344CB8AC3E}">
@@ -5594,10 +5594,10 @@
       </p:sp>
       <p:pic>
         <p:nvPicPr>
-          <p:cNvPr id="4" name="Picture 3">
+          <p:cNvPr id="5" name="Picture 4">
             <a:extLst>
               <a:ext uri="{FF2B5EF4-FFF2-40B4-BE49-F238E27FC236}">
-                <a16:creationId xmlns:a16="http://schemas.microsoft.com/office/drawing/2014/main" id="{7885F2A6-BBB2-084F-8B79-FA82F69E6910}"/>
+                <a16:creationId xmlns:a16="http://schemas.microsoft.com/office/drawing/2014/main" id="{AE8CB062-36AC-DF8C-2294-6ED894D42F83}"/>
               </a:ext>
             </a:extLst>
           </p:cNvPr>
@@ -5614,8 +5614,8 @@
         </p:blipFill>
         <p:spPr>
           <a:xfrm>
-            <a:off x="1396871" y="1554230"/>
-            <a:ext cx="7608234" cy="5199597"/>
+            <a:off x="1647087" y="1605407"/>
+            <a:ext cx="7878878" cy="5148419"/>
           </a:xfrm>
           <a:prstGeom prst="rect">
             <a:avLst/>
